--- a/docs/07-GitHub.pptx
+++ b/docs/07-GitHub.pptx
@@ -8368,15 +8368,9 @@
         <p:spPr/>
         <p:txBody>
           <a:bodyPr>
-            <a:normAutofit fontScale="77500" lnSpcReduction="20000"/>
+            <a:normAutofit fontScale="92500" lnSpcReduction="10000"/>
           </a:bodyPr>
           <a:lstStyle/>
-          <a:p>
-            <a:r>
-              <a:rPr lang="en-US" dirty="0"/>
-              <a:t>Grant Braught</a:t>
-            </a:r>
-          </a:p>
           <a:p>
             <a:r>
               <a:rPr lang="en-US" dirty="0"/>
@@ -19718,19 +19712,17 @@
         <p:spPr/>
         <p:txBody>
           <a:bodyPr>
-            <a:normAutofit fontScale="77500" lnSpcReduction="20000"/>
+            <a:normAutofit fontScale="92500" lnSpcReduction="10000"/>
           </a:bodyPr>
           <a:lstStyle/>
           <a:p>
             <a:r>
+              <a:rPr lang="en-US"/>
+              <a:t>Dickinson </a:t>
+            </a:r>
+            <a:r>
               <a:rPr lang="en-US" dirty="0"/>
-              <a:t>Grant Braught</a:t>
-            </a:r>
-          </a:p>
-          <a:p>
-            <a:r>
-              <a:rPr lang="en-US" dirty="0"/>
-              <a:t>Dickinson College</a:t>
+              <a:t>College</a:t>
             </a:r>
           </a:p>
           <a:p>
@@ -35096,15 +35088,9 @@
         <p:spPr/>
         <p:txBody>
           <a:bodyPr>
-            <a:normAutofit fontScale="77500" lnSpcReduction="20000"/>
+            <a:normAutofit fontScale="92500" lnSpcReduction="10000"/>
           </a:bodyPr>
           <a:lstStyle/>
-          <a:p>
-            <a:r>
-              <a:rPr lang="en-US" dirty="0"/>
-              <a:t>Grant Braught</a:t>
-            </a:r>
-          </a:p>
           <a:p>
             <a:r>
               <a:rPr lang="en-US" dirty="0"/>
@@ -39804,15 +39790,9 @@
         <p:spPr/>
         <p:txBody>
           <a:bodyPr>
-            <a:normAutofit fontScale="77500" lnSpcReduction="20000"/>
+            <a:normAutofit fontScale="92500" lnSpcReduction="10000"/>
           </a:bodyPr>
           <a:lstStyle/>
-          <a:p>
-            <a:r>
-              <a:rPr lang="en-US" dirty="0"/>
-              <a:t>Grant Braught</a:t>
-            </a:r>
-          </a:p>
           <a:p>
             <a:r>
               <a:rPr lang="en-US" dirty="0"/>
